--- a/+Presentation for Ascend_Analytics/Hourly probabilistic solar power forecasts_3v.pptx
+++ b/+Presentation for Ascend_Analytics/Hourly probabilistic solar power forecasts_3v.pptx
@@ -11567,7 +11567,7 @@
           <a:p>
             <a:fld id="{01AFE21F-66B3-45E2-BDB1-E16761FD82B6}" type="datetimeFigureOut">
               <a:rPr lang="en-US" smtClean="0"/>
-              <a:t>8/4/2019</a:t>
+              <a:t>8/6/2019</a:t>
             </a:fld>
             <a:endParaRPr lang="en-US"/>
           </a:p>
@@ -12499,7 +12499,7 @@
           <a:p>
             <a:fld id="{B92AF5DD-F2C8-4ED7-902A-D0992DF1BD18}" type="datetimeFigureOut">
               <a:rPr lang="en-US" smtClean="0"/>
-              <a:t>8/4/2019</a:t>
+              <a:t>8/6/2019</a:t>
             </a:fld>
             <a:endParaRPr lang="en-US"/>
           </a:p>
@@ -12735,7 +12735,7 @@
           <a:p>
             <a:fld id="{B92AF5DD-F2C8-4ED7-902A-D0992DF1BD18}" type="datetimeFigureOut">
               <a:rPr lang="en-US" smtClean="0"/>
-              <a:t>8/4/2019</a:t>
+              <a:t>8/6/2019</a:t>
             </a:fld>
             <a:endParaRPr lang="en-US"/>
           </a:p>
@@ -12915,7 +12915,7 @@
           <a:p>
             <a:fld id="{B92AF5DD-F2C8-4ED7-902A-D0992DF1BD18}" type="datetimeFigureOut">
               <a:rPr lang="en-US" smtClean="0"/>
-              <a:t>8/4/2019</a:t>
+              <a:t>8/6/2019</a:t>
             </a:fld>
             <a:endParaRPr lang="en-US"/>
           </a:p>
@@ -13085,7 +13085,7 @@
           <a:p>
             <a:fld id="{B92AF5DD-F2C8-4ED7-902A-D0992DF1BD18}" type="datetimeFigureOut">
               <a:rPr lang="en-US" smtClean="0"/>
-              <a:t>8/4/2019</a:t>
+              <a:t>8/6/2019</a:t>
             </a:fld>
             <a:endParaRPr lang="en-US"/>
           </a:p>
@@ -13331,7 +13331,7 @@
           <a:p>
             <a:fld id="{B92AF5DD-F2C8-4ED7-902A-D0992DF1BD18}" type="datetimeFigureOut">
               <a:rPr lang="en-US" smtClean="0"/>
-              <a:t>8/4/2019</a:t>
+              <a:t>8/6/2019</a:t>
             </a:fld>
             <a:endParaRPr lang="en-US"/>
           </a:p>
@@ -13563,7 +13563,7 @@
           <a:p>
             <a:fld id="{B92AF5DD-F2C8-4ED7-902A-D0992DF1BD18}" type="datetimeFigureOut">
               <a:rPr lang="en-US" smtClean="0"/>
-              <a:t>8/4/2019</a:t>
+              <a:t>8/6/2019</a:t>
             </a:fld>
             <a:endParaRPr lang="en-US"/>
           </a:p>
@@ -13930,7 +13930,7 @@
           <a:p>
             <a:fld id="{B92AF5DD-F2C8-4ED7-902A-D0992DF1BD18}" type="datetimeFigureOut">
               <a:rPr lang="en-US" smtClean="0"/>
-              <a:t>8/4/2019</a:t>
+              <a:t>8/6/2019</a:t>
             </a:fld>
             <a:endParaRPr lang="en-US"/>
           </a:p>
@@ -14048,7 +14048,7 @@
           <a:p>
             <a:fld id="{B92AF5DD-F2C8-4ED7-902A-D0992DF1BD18}" type="datetimeFigureOut">
               <a:rPr lang="en-US" smtClean="0"/>
-              <a:t>8/4/2019</a:t>
+              <a:t>8/6/2019</a:t>
             </a:fld>
             <a:endParaRPr lang="en-US"/>
           </a:p>
@@ -14143,7 +14143,7 @@
           <a:p>
             <a:fld id="{B92AF5DD-F2C8-4ED7-902A-D0992DF1BD18}" type="datetimeFigureOut">
               <a:rPr lang="en-US" smtClean="0"/>
-              <a:t>8/4/2019</a:t>
+              <a:t>8/6/2019</a:t>
             </a:fld>
             <a:endParaRPr lang="en-US"/>
           </a:p>
@@ -14420,7 +14420,7 @@
           <a:p>
             <a:fld id="{B92AF5DD-F2C8-4ED7-902A-D0992DF1BD18}" type="datetimeFigureOut">
               <a:rPr lang="en-US" smtClean="0"/>
-              <a:t>8/4/2019</a:t>
+              <a:t>8/6/2019</a:t>
             </a:fld>
             <a:endParaRPr lang="en-US"/>
           </a:p>
@@ -14677,7 +14677,7 @@
           <a:p>
             <a:fld id="{B92AF5DD-F2C8-4ED7-902A-D0992DF1BD18}" type="datetimeFigureOut">
               <a:rPr lang="en-US" smtClean="0"/>
-              <a:t>8/4/2019</a:t>
+              <a:t>8/6/2019</a:t>
             </a:fld>
             <a:endParaRPr lang="en-US"/>
           </a:p>
@@ -14890,7 +14890,7 @@
           <a:p>
             <a:fld id="{B92AF5DD-F2C8-4ED7-902A-D0992DF1BD18}" type="datetimeFigureOut">
               <a:rPr lang="en-US" smtClean="0"/>
-              <a:t>8/4/2019</a:t>
+              <a:t>8/6/2019</a:t>
             </a:fld>
             <a:endParaRPr lang="en-US"/>
           </a:p>
@@ -31177,7 +31177,7 @@
           <a:graphicData uri="http://schemas.openxmlformats.org/presentationml/2006/ole">
             <mc:AlternateContent xmlns:mc="http://schemas.openxmlformats.org/markup-compatibility/2006">
               <mc:Choice xmlns:v="urn:schemas-microsoft-com:vml" Requires="v">
-                <p:oleObj spid="_x0000_s1151" name="Document" r:id="rId3" imgW="5112679" imgH="2849952" progId="Word.Document.12">
+                <p:oleObj spid="_x0000_s1152" name="Document" r:id="rId3" imgW="5112679" imgH="2849952" progId="Word.Document.12">
                   <p:embed/>
                 </p:oleObj>
               </mc:Choice>
@@ -32610,48 +32610,12 @@
           </a:p>
         </p:txBody>
       </p:sp>
-      <p:pic>
-        <p:nvPicPr>
-          <p:cNvPr id="3" name="Picture 2" descr="A close up of an animal&#10;&#10;Description automatically generated">
+      <p:sp>
+        <p:nvSpPr>
+          <p:cNvPr id="2" name="Rectangle 1">
             <a:extLst>
               <a:ext uri="{FF2B5EF4-FFF2-40B4-BE49-F238E27FC236}">
-                <a16:creationId xmlns:a16="http://schemas.microsoft.com/office/drawing/2014/main" id="{DF70BCAE-B696-46E3-ACE7-500DEAFEB28C}"/>
-              </a:ext>
-            </a:extLst>
-          </p:cNvPr>
-          <p:cNvPicPr>
-            <a:picLocks noChangeAspect="1"/>
-          </p:cNvPicPr>
-          <p:nvPr/>
-        </p:nvPicPr>
-        <p:blipFill>
-          <a:blip r:embed="rId2">
-            <a:extLst>
-              <a:ext uri="{28A0092B-C50C-407E-A947-70E740481C1C}">
-                <a14:useLocalDpi xmlns:a14="http://schemas.microsoft.com/office/drawing/2010/main" val="0"/>
-              </a:ext>
-            </a:extLst>
-          </a:blip>
-          <a:stretch>
-            <a:fillRect/>
-          </a:stretch>
-        </p:blipFill>
-        <p:spPr>
-          <a:xfrm>
-            <a:off x="7824835" y="2962187"/>
-            <a:ext cx="3053834" cy="2290375"/>
-          </a:xfrm>
-          <a:prstGeom prst="rect">
-            <a:avLst/>
-          </a:prstGeom>
-        </p:spPr>
-      </p:pic>
-      <p:sp>
-        <p:nvSpPr>
-          <p:cNvPr id="7" name="Rectangle 6">
-            <a:extLst>
-              <a:ext uri="{FF2B5EF4-FFF2-40B4-BE49-F238E27FC236}">
-                <a16:creationId xmlns:a16="http://schemas.microsoft.com/office/drawing/2014/main" id="{997D31C5-2B1E-4062-B8AA-5A275ED23052}"/>
+                <a16:creationId xmlns:a16="http://schemas.microsoft.com/office/drawing/2014/main" id="{3D37149C-A0EA-460A-BA4F-46485EB7818A}"/>
               </a:ext>
             </a:extLst>
           </p:cNvPr>
@@ -32660,15 +32624,15 @@
         </p:nvSpPr>
         <p:spPr>
           <a:xfrm>
-            <a:off x="221525" y="684090"/>
-            <a:ext cx="11087451" cy="1566070"/>
+            <a:off x="155510" y="1036686"/>
+            <a:ext cx="6096000" cy="2265364"/>
           </a:xfrm>
           <a:prstGeom prst="rect">
             <a:avLst/>
           </a:prstGeom>
         </p:spPr>
         <p:txBody>
-          <a:bodyPr wrap="square">
+          <a:bodyPr>
             <a:spAutoFit/>
           </a:bodyPr>
           <a:lstStyle/>
@@ -32682,6 +32646,27 @@
             </a:r>
           </a:p>
           <a:p>
+            <a:r>
+              <a:rPr lang="en-US" dirty="0">
+                <a:latin typeface="Times New Roman" panose="02020603050405020304" pitchFamily="18" charset="0"/>
+                <a:cs typeface="Times New Roman" panose="02020603050405020304" pitchFamily="18" charset="0"/>
+                <a:hlinkClick r:id="rId2"/>
+              </a:rPr>
+              <a:t>https://mohamedabuella.github.io</a:t>
+            </a:r>
+            <a:r>
+              <a:rPr lang="en-US" dirty="0">
+                <a:latin typeface="Times New Roman" panose="02020603050405020304" pitchFamily="18" charset="0"/>
+                <a:cs typeface="Times New Roman" panose="02020603050405020304" pitchFamily="18" charset="0"/>
+              </a:rPr>
+              <a:t> </a:t>
+            </a:r>
+            <a:endParaRPr lang="en-US" b="1" dirty="0">
+              <a:latin typeface="Times New Roman" panose="02020603050405020304" pitchFamily="18" charset="0"/>
+              <a:cs typeface="Times New Roman" panose="02020603050405020304" pitchFamily="18" charset="0"/>
+            </a:endParaRPr>
+          </a:p>
+          <a:p>
             <a:pPr>
               <a:lnSpc>
                 <a:spcPct val="150000"/>
@@ -32692,17 +32677,17 @@
                 <a:latin typeface="Times New Roman" panose="02020603050405020304" pitchFamily="18" charset="0"/>
                 <a:cs typeface="Times New Roman" panose="02020603050405020304" pitchFamily="18" charset="0"/>
               </a:rPr>
-              <a:t>An electrical engineer by training, traditionally is interested in Mathematical and Computational Analysis, Modeling and Optimization, and who is recently get passionate in Artificial Intelligence and Data-driven Analytics for Energy and Smart Grid applications.</a:t>
+              <a:t>An electrical engineer by training, traditionally is interested in Mathematical and Computational Analysis, Modeling and Optimization, and who is recently get passionate in Artificial Intelligence and Data-driven Analytics for Energy a</a:t>
             </a:r>
           </a:p>
         </p:txBody>
       </p:sp>
       <p:sp>
         <p:nvSpPr>
-          <p:cNvPr id="8" name="Rectangle 7">
+          <p:cNvPr id="9" name="Rectangle 8">
             <a:extLst>
               <a:ext uri="{FF2B5EF4-FFF2-40B4-BE49-F238E27FC236}">
-                <a16:creationId xmlns:a16="http://schemas.microsoft.com/office/drawing/2014/main" id="{BAB112F6-6F4F-4B85-B758-6D4196D0C1F6}"/>
+                <a16:creationId xmlns:a16="http://schemas.microsoft.com/office/drawing/2014/main" id="{48A5C8F3-FEEE-4703-BB05-FCB4258739EF}"/>
               </a:ext>
             </a:extLst>
           </p:cNvPr>
@@ -32711,8 +32696,8 @@
         </p:nvSpPr>
         <p:spPr>
           <a:xfrm>
-            <a:off x="266347" y="2455681"/>
-            <a:ext cx="7510535" cy="2535566"/>
+            <a:off x="155509" y="3457577"/>
+            <a:ext cx="8782259" cy="2535566"/>
           </a:xfrm>
           <a:prstGeom prst="rect">
             <a:avLst/>
@@ -32748,7 +32733,7 @@
                 <a:latin typeface="Times New Roman" panose="02020603050405020304" pitchFamily="18" charset="0"/>
                 <a:cs typeface="Times New Roman" panose="02020603050405020304" pitchFamily="18" charset="0"/>
               </a:rPr>
-              <a:t>Making Mediterranean Food and Drink, but also try my own wired recipes;</a:t>
+              <a:t>Making Mediterranean Food and Drink, but also try my own out-of-box recipes;</a:t>
             </a:r>
           </a:p>
           <a:p>
@@ -32762,21 +32747,7 @@
                 <a:latin typeface="Times New Roman" panose="02020603050405020304" pitchFamily="18" charset="0"/>
                 <a:cs typeface="Times New Roman" panose="02020603050405020304" pitchFamily="18" charset="0"/>
               </a:rPr>
-              <a:t>Stretching, Walking, Running, or Swimming, ..and hopefully Climbing; Wondering around and Discovering New Places</a:t>
-            </a:r>
-            <a:r>
-              <a:rPr lang="en-US">
-                <a:latin typeface="Times New Roman" panose="02020603050405020304" pitchFamily="18" charset="0"/>
-                <a:cs typeface="Times New Roman" panose="02020603050405020304" pitchFamily="18" charset="0"/>
-              </a:rPr>
-              <a:t>, ..kind </a:t>
-            </a:r>
-            <a:r>
-              <a:rPr lang="en-US" dirty="0">
-                <a:latin typeface="Times New Roman" panose="02020603050405020304" pitchFamily="18" charset="0"/>
-                <a:cs typeface="Times New Roman" panose="02020603050405020304" pitchFamily="18" charset="0"/>
-              </a:rPr>
-              <a:t>of adventure;</a:t>
+              <a:t>Stretching, Walking, Running, Driving, Swimming, Diving, ..and hopefully Climbing; Wondering around and Discovering New Places, ..find it kind of an adventure;</a:t>
             </a:r>
           </a:p>
           <a:p>
@@ -32805,6 +32776,44 @@
                 <a:cs typeface="Times New Roman" panose="02020603050405020304" pitchFamily="18" charset="0"/>
               </a:rPr>
               <a:t>And more often just.. Chilling and Enjoy Doing Nothing!</a:t>
+            </a:r>
+          </a:p>
+        </p:txBody>
+      </p:sp>
+      <p:sp>
+        <p:nvSpPr>
+          <p:cNvPr id="10" name="Rectangle 9">
+            <a:extLst>
+              <a:ext uri="{FF2B5EF4-FFF2-40B4-BE49-F238E27FC236}">
+                <a16:creationId xmlns:a16="http://schemas.microsoft.com/office/drawing/2014/main" id="{A3C29B02-D91E-48F3-B735-3835F8B9B620}"/>
+              </a:ext>
+            </a:extLst>
+          </p:cNvPr>
+          <p:cNvSpPr/>
+          <p:nvPr/>
+        </p:nvSpPr>
+        <p:spPr>
+          <a:xfrm>
+            <a:off x="1261188" y="259097"/>
+            <a:ext cx="9144000" cy="369332"/>
+          </a:xfrm>
+          <a:prstGeom prst="rect">
+            <a:avLst/>
+          </a:prstGeom>
+        </p:spPr>
+        <p:txBody>
+          <a:bodyPr wrap="square">
+            <a:spAutoFit/>
+          </a:bodyPr>
+          <a:lstStyle/>
+          <a:p>
+            <a:pPr algn="ctr"/>
+            <a:r>
+              <a:rPr lang="en-US" b="1" dirty="0">
+                <a:latin typeface="Times New Roman" panose="02020603050405020304" pitchFamily="18" charset="0"/>
+                <a:cs typeface="Times New Roman" panose="02020603050405020304" pitchFamily="18" charset="0"/>
+              </a:rPr>
+              <a:t>Personal Introduction</a:t>
             </a:r>
           </a:p>
         </p:txBody>
